--- a/docs/04_SpringErmis_Presentation.pptx
+++ b/docs/04_SpringErmis_Presentation.pptx
@@ -5,7 +5,7 @@
     <p:sldMasterId id="2147483648" r:id="rId1"/>
   </p:sldMasterIdLst>
   <p:notesMasterIdLst>
-    <p:notesMasterId r:id="rId10"/>
+    <p:notesMasterId r:id="rId11"/>
   </p:notesMasterIdLst>
   <p:sldIdLst>
     <p:sldId id="256" r:id="rId2"/>
@@ -15,7 +15,8 @@
     <p:sldId id="260" r:id="rId6"/>
     <p:sldId id="261" r:id="rId7"/>
     <p:sldId id="262" r:id="rId8"/>
-    <p:sldId id="263" r:id="rId9"/>
+    <p:sldId id="264" r:id="rId9"/>
+    <p:sldId id="263" r:id="rId10"/>
   </p:sldIdLst>
   <p:sldSz cx="12192000" cy="6858000"/>
   <p:notesSz cx="6858000" cy="9144000"/>
@@ -114,7 +115,49 @@
       </a:defRPr>
     </a:lvl9pPr>
   </p:defaultTextStyle>
+  <p:extLst>
+    <p:ext uri="{EFAFB233-063F-42B5-8137-9DF3F51BA10A}">
+      <p15:sldGuideLst xmlns:p15="http://schemas.microsoft.com/office/powerpoint/2012/main"/>
+    </p:ext>
+  </p:extLst>
 </p:presentation>
+</file>
+
+<file path=ppt/changesInfos/changesInfo1.xml><?xml version="1.0" encoding="utf-8"?>
+<pc:chgInfo xmlns:a="http://schemas.openxmlformats.org/drawingml/2006/main" xmlns:r="http://schemas.openxmlformats.org/officeDocument/2006/relationships" xmlns:ac="http://schemas.microsoft.com/office/drawing/2013/main/command" xmlns:pc="http://schemas.microsoft.com/office/powerpoint/2013/main/command">
+  <pc:docChgLst>
+    <pc:chgData name="Antonios Kaparounakis" userId="e089f7bb133fb09f" providerId="LiveId" clId="{8A91D16A-5B36-44FD-878E-D44AD7CC1911}"/>
+    <pc:docChg chg="custSel addSld modSld">
+      <pc:chgData name="Antonios Kaparounakis" userId="e089f7bb133fb09f" providerId="LiveId" clId="{8A91D16A-5B36-44FD-878E-D44AD7CC1911}" dt="2024-02-23T11:23:13.269" v="110" actId="1076"/>
+      <pc:docMkLst>
+        <pc:docMk/>
+      </pc:docMkLst>
+      <pc:sldChg chg="addSp modSp add mod">
+        <pc:chgData name="Antonios Kaparounakis" userId="e089f7bb133fb09f" providerId="LiveId" clId="{8A91D16A-5B36-44FD-878E-D44AD7CC1911}" dt="2024-02-23T11:23:13.269" v="110" actId="1076"/>
+        <pc:sldMkLst>
+          <pc:docMk/>
+          <pc:sldMk cId="2386390413" sldId="264"/>
+        </pc:sldMkLst>
+        <pc:spChg chg="mod">
+          <ac:chgData name="Antonios Kaparounakis" userId="e089f7bb133fb09f" providerId="LiveId" clId="{8A91D16A-5B36-44FD-878E-D44AD7CC1911}" dt="2024-02-23T11:23:06.046" v="109" actId="20577"/>
+          <ac:spMkLst>
+            <pc:docMk/>
+            <pc:sldMk cId="2386390413" sldId="264"/>
+            <ac:spMk id="3" creationId="{83B4DCE9-6E08-76B2-52B0-DE39C79EA345}"/>
+          </ac:spMkLst>
+        </pc:spChg>
+        <pc:picChg chg="add mod">
+          <ac:chgData name="Antonios Kaparounakis" userId="e089f7bb133fb09f" providerId="LiveId" clId="{8A91D16A-5B36-44FD-878E-D44AD7CC1911}" dt="2024-02-23T11:23:13.269" v="110" actId="1076"/>
+          <ac:picMkLst>
+            <pc:docMk/>
+            <pc:sldMk cId="2386390413" sldId="264"/>
+            <ac:picMk id="7" creationId="{BE3AB6E9-E377-81A0-7D3A-A44771FA4AB2}"/>
+          </ac:picMkLst>
+        </pc:picChg>
+      </pc:sldChg>
+    </pc:docChg>
+  </pc:docChgLst>
+</pc:chgInfo>
 </file>
 
 <file path=ppt/notesMasters/notesMaster1.xml><?xml version="1.0" encoding="utf-8"?>
@@ -5202,6 +5245,211 @@
         <p:cNvPr id="1" name="">
           <a:extLst>
             <a:ext uri="{FF2B5EF4-FFF2-40B4-BE49-F238E27FC236}">
+              <a16:creationId xmlns:a16="http://schemas.microsoft.com/office/drawing/2014/main" id="{CE77BFE0-E3A6-C745-52A8-B31037AC1B80}"/>
+            </a:ext>
+          </a:extLst>
+        </p:cNvPr>
+        <p:cNvGrpSpPr/>
+        <p:nvPr/>
+      </p:nvGrpSpPr>
+      <p:grpSpPr>
+        <a:xfrm>
+          <a:off x="0" y="0"/>
+          <a:ext cx="0" cy="0"/>
+          <a:chOff x="0" y="0"/>
+          <a:chExt cx="0" cy="0"/>
+        </a:xfrm>
+      </p:grpSpPr>
+      <p:sp>
+        <p:nvSpPr>
+          <p:cNvPr id="2" name="Title 1">
+            <a:extLst>
+              <a:ext uri="{FF2B5EF4-FFF2-40B4-BE49-F238E27FC236}">
+                <a16:creationId xmlns:a16="http://schemas.microsoft.com/office/drawing/2014/main" id="{B60BE9A7-CC3B-3157-EA23-E401E82EE4AD}"/>
+              </a:ext>
+            </a:extLst>
+          </p:cNvPr>
+          <p:cNvSpPr>
+            <a:spLocks noGrp="1"/>
+          </p:cNvSpPr>
+          <p:nvPr>
+            <p:ph type="title"/>
+          </p:nvPr>
+        </p:nvSpPr>
+        <p:spPr/>
+        <p:txBody>
+          <a:bodyPr/>
+          <a:lstStyle/>
+          <a:p>
+            <a:r>
+              <a:rPr lang="en-US" dirty="0"/>
+              <a:t>Technical Design</a:t>
+            </a:r>
+          </a:p>
+        </p:txBody>
+      </p:sp>
+      <p:sp>
+        <p:nvSpPr>
+          <p:cNvPr id="3" name="Content Placeholder 2">
+            <a:extLst>
+              <a:ext uri="{FF2B5EF4-FFF2-40B4-BE49-F238E27FC236}">
+                <a16:creationId xmlns:a16="http://schemas.microsoft.com/office/drawing/2014/main" id="{83B4DCE9-6E08-76B2-52B0-DE39C79EA345}"/>
+              </a:ext>
+            </a:extLst>
+          </p:cNvPr>
+          <p:cNvSpPr>
+            <a:spLocks noGrp="1"/>
+          </p:cNvSpPr>
+          <p:nvPr>
+            <p:ph idx="1"/>
+          </p:nvPr>
+        </p:nvSpPr>
+        <p:spPr/>
+        <p:txBody>
+          <a:bodyPr>
+            <a:normAutofit/>
+          </a:bodyPr>
+          <a:lstStyle/>
+          <a:p>
+            <a:pPr>
+              <a:spcAft>
+                <a:spcPts val="1200"/>
+              </a:spcAft>
+            </a:pPr>
+            <a:r>
+              <a:rPr lang="en-US" dirty="0"/>
+              <a:t>Domain-driven file structure</a:t>
+            </a:r>
+          </a:p>
+          <a:p>
+            <a:pPr>
+              <a:spcAft>
+                <a:spcPts val="1200"/>
+              </a:spcAft>
+            </a:pPr>
+            <a:endParaRPr lang="en-US" dirty="0"/>
+          </a:p>
+        </p:txBody>
+      </p:sp>
+      <p:sp>
+        <p:nvSpPr>
+          <p:cNvPr id="4" name="Date Placeholder 3">
+            <a:extLst>
+              <a:ext uri="{FF2B5EF4-FFF2-40B4-BE49-F238E27FC236}">
+                <a16:creationId xmlns:a16="http://schemas.microsoft.com/office/drawing/2014/main" id="{EF1759C2-9C06-8912-8074-DB3BB279B32A}"/>
+              </a:ext>
+            </a:extLst>
+          </p:cNvPr>
+          <p:cNvSpPr>
+            <a:spLocks noGrp="1"/>
+          </p:cNvSpPr>
+          <p:nvPr>
+            <p:ph type="dt" sz="half" idx="10"/>
+          </p:nvPr>
+        </p:nvSpPr>
+        <p:spPr/>
+        <p:txBody>
+          <a:bodyPr/>
+          <a:lstStyle/>
+          <a:p>
+            <a:r>
+              <a:rPr lang="en-US"/>
+              <a:t>23 February 2024</a:t>
+            </a:r>
+            <a:endParaRPr lang="en-US" dirty="0"/>
+          </a:p>
+        </p:txBody>
+      </p:sp>
+      <p:sp>
+        <p:nvSpPr>
+          <p:cNvPr id="5" name="Slide Number Placeholder 4">
+            <a:extLst>
+              <a:ext uri="{FF2B5EF4-FFF2-40B4-BE49-F238E27FC236}">
+                <a16:creationId xmlns:a16="http://schemas.microsoft.com/office/drawing/2014/main" id="{E2764E82-E7E1-A77B-00E9-46D056A95985}"/>
+              </a:ext>
+            </a:extLst>
+          </p:cNvPr>
+          <p:cNvSpPr>
+            <a:spLocks noGrp="1"/>
+          </p:cNvSpPr>
+          <p:nvPr>
+            <p:ph type="sldNum" sz="quarter" idx="12"/>
+          </p:nvPr>
+        </p:nvSpPr>
+        <p:spPr/>
+        <p:txBody>
+          <a:bodyPr/>
+          <a:lstStyle/>
+          <a:p>
+            <a:fld id="{C18B6A42-5BC1-4DE1-9027-C62EAF0525E9}" type="slidenum">
+              <a:rPr lang="en-US" smtClean="0"/>
+              <a:t>8</a:t>
+            </a:fld>
+            <a:endParaRPr lang="en-US"/>
+          </a:p>
+        </p:txBody>
+      </p:sp>
+      <p:pic>
+        <p:nvPicPr>
+          <p:cNvPr id="7" name="Picture 6">
+            <a:extLst>
+              <a:ext uri="{FF2B5EF4-FFF2-40B4-BE49-F238E27FC236}">
+                <a16:creationId xmlns:a16="http://schemas.microsoft.com/office/drawing/2014/main" id="{BE3AB6E9-E377-81A0-7D3A-A44771FA4AB2}"/>
+              </a:ext>
+            </a:extLst>
+          </p:cNvPr>
+          <p:cNvPicPr>
+            <a:picLocks noChangeAspect="1"/>
+          </p:cNvPicPr>
+          <p:nvPr/>
+        </p:nvPicPr>
+        <p:blipFill>
+          <a:blip r:embed="rId2"/>
+          <a:stretch>
+            <a:fillRect/>
+          </a:stretch>
+        </p:blipFill>
+        <p:spPr>
+          <a:xfrm>
+            <a:off x="7749625" y="1496465"/>
+            <a:ext cx="3604175" cy="4542128"/>
+          </a:xfrm>
+          <a:prstGeom prst="rect">
+            <a:avLst/>
+          </a:prstGeom>
+          <a:ln>
+            <a:noFill/>
+          </a:ln>
+          <a:effectLst>
+            <a:outerShdw blurRad="190500" algn="tl" rotWithShape="0">
+              <a:srgbClr val="000000">
+                <a:alpha val="70000"/>
+              </a:srgbClr>
+            </a:outerShdw>
+          </a:effectLst>
+        </p:spPr>
+      </p:pic>
+    </p:spTree>
+    <p:extLst>
+      <p:ext uri="{BB962C8B-B14F-4D97-AF65-F5344CB8AC3E}">
+        <p14:creationId xmlns:p14="http://schemas.microsoft.com/office/powerpoint/2010/main" val="2386390413"/>
+      </p:ext>
+    </p:extLst>
+  </p:cSld>
+  <p:clrMapOvr>
+    <a:masterClrMapping/>
+  </p:clrMapOvr>
+</p:sld>
+</file>
+
+<file path=ppt/slides/slide9.xml><?xml version="1.0" encoding="utf-8"?>
+<p:sld xmlns:a="http://schemas.openxmlformats.org/drawingml/2006/main" xmlns:r="http://schemas.openxmlformats.org/officeDocument/2006/relationships" xmlns:p="http://schemas.openxmlformats.org/presentationml/2006/main">
+  <p:cSld>
+    <p:spTree>
+      <p:nvGrpSpPr>
+        <p:cNvPr id="1" name="">
+          <a:extLst>
+            <a:ext uri="{FF2B5EF4-FFF2-40B4-BE49-F238E27FC236}">
               <a16:creationId xmlns:a16="http://schemas.microsoft.com/office/drawing/2014/main" id="{E628E730-71D4-E8E0-6993-A58941E881CE}"/>
             </a:ext>
           </a:extLst>
@@ -5329,7 +5577,7 @@
           <a:p>
             <a:fld id="{C18B6A42-5BC1-4DE1-9027-C62EAF0525E9}" type="slidenum">
               <a:rPr lang="en-US" smtClean="0"/>
-              <a:t>8</a:t>
+              <a:t>9</a:t>
             </a:fld>
             <a:endParaRPr lang="en-US"/>
           </a:p>
